--- a/Getting started with Python.pptx
+++ b/Getting started with Python.pptx
@@ -5311,6 +5311,18 @@
   <p:clrMapOvr>
     <a:masterClrMapping/>
   </p:clrMapOvr>
+  <mc:AlternateContent xmlns:mc="http://schemas.openxmlformats.org/markup-compatibility/2006">
+    <mc:Choice xmlns:p14="http://schemas.microsoft.com/office/powerpoint/2010/main" Requires="p14">
+      <p:transition p14:dur="250">
+        <p:cover/>
+      </p:transition>
+    </mc:Choice>
+    <mc:Fallback>
+      <p:transition>
+        <p:cover/>
+      </p:transition>
+    </mc:Fallback>
+  </mc:AlternateContent>
 </p:sldLayout>
 </file>
 
@@ -5502,6 +5514,18 @@
   <p:clrMapOvr>
     <a:masterClrMapping/>
   </p:clrMapOvr>
+  <mc:AlternateContent xmlns:mc="http://schemas.openxmlformats.org/markup-compatibility/2006">
+    <mc:Choice xmlns:p14="http://schemas.microsoft.com/office/powerpoint/2010/main" Requires="p14">
+      <p:transition p14:dur="250">
+        <p:cover/>
+      </p:transition>
+    </mc:Choice>
+    <mc:Fallback>
+      <p:transition>
+        <p:cover/>
+      </p:transition>
+    </mc:Fallback>
+  </mc:AlternateContent>
 </p:sldLayout>
 </file>
 
@@ -5876,6 +5900,18 @@
   <p:clrMapOvr>
     <a:masterClrMapping/>
   </p:clrMapOvr>
+  <mc:AlternateContent xmlns:mc="http://schemas.openxmlformats.org/markup-compatibility/2006">
+    <mc:Choice xmlns:p14="http://schemas.microsoft.com/office/powerpoint/2010/main" Requires="p14">
+      <p:transition p14:dur="250">
+        <p:cover/>
+      </p:transition>
+    </mc:Choice>
+    <mc:Fallback>
+      <p:transition>
+        <p:cover/>
+      </p:transition>
+    </mc:Fallback>
+  </mc:AlternateContent>
 </p:sldLayout>
 </file>
 
@@ -6074,6 +6110,18 @@
   <p:clrMapOvr>
     <a:masterClrMapping/>
   </p:clrMapOvr>
+  <mc:AlternateContent xmlns:mc="http://schemas.openxmlformats.org/markup-compatibility/2006">
+    <mc:Choice xmlns:p14="http://schemas.microsoft.com/office/powerpoint/2010/main" Requires="p14">
+      <p:transition p14:dur="250">
+        <p:cover/>
+      </p:transition>
+    </mc:Choice>
+    <mc:Fallback>
+      <p:transition>
+        <p:cover/>
+      </p:transition>
+    </mc:Fallback>
+  </mc:AlternateContent>
 </p:sldLayout>
 </file>
 
@@ -6386,6 +6434,18 @@
   <p:clrMapOvr>
     <a:masterClrMapping/>
   </p:clrMapOvr>
+  <mc:AlternateContent xmlns:mc="http://schemas.openxmlformats.org/markup-compatibility/2006">
+    <mc:Choice xmlns:p14="http://schemas.microsoft.com/office/powerpoint/2010/main" Requires="p14">
+      <p:transition p14:dur="250">
+        <p:cover/>
+      </p:transition>
+    </mc:Choice>
+    <mc:Fallback>
+      <p:transition>
+        <p:cover/>
+      </p:transition>
+    </mc:Fallback>
+  </mc:AlternateContent>
 </p:sldLayout>
 </file>
 
@@ -6627,6 +6687,18 @@
   <p:clrMapOvr>
     <a:masterClrMapping/>
   </p:clrMapOvr>
+  <mc:AlternateContent xmlns:mc="http://schemas.openxmlformats.org/markup-compatibility/2006">
+    <mc:Choice xmlns:p14="http://schemas.microsoft.com/office/powerpoint/2010/main" Requires="p14">
+      <p:transition p14:dur="250">
+        <p:cover/>
+      </p:transition>
+    </mc:Choice>
+    <mc:Fallback>
+      <p:transition>
+        <p:cover/>
+      </p:transition>
+    </mc:Fallback>
+  </mc:AlternateContent>
 </p:sldLayout>
 </file>
 
@@ -7049,6 +7121,18 @@
   <p:clrMapOvr>
     <a:masterClrMapping/>
   </p:clrMapOvr>
+  <mc:AlternateContent xmlns:mc="http://schemas.openxmlformats.org/markup-compatibility/2006">
+    <mc:Choice xmlns:p14="http://schemas.microsoft.com/office/powerpoint/2010/main" Requires="p14">
+      <p:transition p14:dur="250">
+        <p:cover/>
+      </p:transition>
+    </mc:Choice>
+    <mc:Fallback>
+      <p:transition>
+        <p:cover/>
+      </p:transition>
+    </mc:Fallback>
+  </mc:AlternateContent>
 </p:sldLayout>
 </file>
 
@@ -7172,6 +7256,18 @@
   <p:clrMapOvr>
     <a:masterClrMapping/>
   </p:clrMapOvr>
+  <mc:AlternateContent xmlns:mc="http://schemas.openxmlformats.org/markup-compatibility/2006">
+    <mc:Choice xmlns:p14="http://schemas.microsoft.com/office/powerpoint/2010/main" Requires="p14">
+      <p:transition p14:dur="250">
+        <p:cover/>
+      </p:transition>
+    </mc:Choice>
+    <mc:Fallback>
+      <p:transition>
+        <p:cover/>
+      </p:transition>
+    </mc:Fallback>
+  </mc:AlternateContent>
 </p:sldLayout>
 </file>
 
@@ -7267,6 +7363,18 @@
   <p:clrMapOvr>
     <a:masterClrMapping/>
   </p:clrMapOvr>
+  <mc:AlternateContent xmlns:mc="http://schemas.openxmlformats.org/markup-compatibility/2006">
+    <mc:Choice xmlns:p14="http://schemas.microsoft.com/office/powerpoint/2010/main" Requires="p14">
+      <p:transition p14:dur="250">
+        <p:cover/>
+      </p:transition>
+    </mc:Choice>
+    <mc:Fallback>
+      <p:transition>
+        <p:cover/>
+      </p:transition>
+    </mc:Fallback>
+  </mc:AlternateContent>
 </p:sldLayout>
 </file>
 
@@ -7667,6 +7775,18 @@
   <p:clrMapOvr>
     <a:masterClrMapping/>
   </p:clrMapOvr>
+  <mc:AlternateContent xmlns:mc="http://schemas.openxmlformats.org/markup-compatibility/2006">
+    <mc:Choice xmlns:p14="http://schemas.microsoft.com/office/powerpoint/2010/main" Requires="p14">
+      <p:transition p14:dur="250">
+        <p:cover/>
+      </p:transition>
+    </mc:Choice>
+    <mc:Fallback>
+      <p:transition>
+        <p:cover/>
+      </p:transition>
+    </mc:Fallback>
+  </mc:AlternateContent>
 </p:sldLayout>
 </file>
 
@@ -7938,6 +8058,18 @@
   <p:clrMapOvr>
     <a:masterClrMapping/>
   </p:clrMapOvr>
+  <mc:AlternateContent xmlns:mc="http://schemas.openxmlformats.org/markup-compatibility/2006">
+    <mc:Choice xmlns:p14="http://schemas.microsoft.com/office/powerpoint/2010/main" Requires="p14">
+      <p:transition p14:dur="250">
+        <p:cover/>
+      </p:transition>
+    </mc:Choice>
+    <mc:Fallback>
+      <p:transition>
+        <p:cover/>
+      </p:transition>
+    </mc:Fallback>
+  </mc:AlternateContent>
 </p:sldLayout>
 </file>
 
@@ -8312,6 +8444,18 @@
     <p:sldLayoutId id="2147483707" r:id="rId10"/>
     <p:sldLayoutId id="2147483708" r:id="rId11"/>
   </p:sldLayoutIdLst>
+  <mc:AlternateContent xmlns:mc="http://schemas.openxmlformats.org/markup-compatibility/2006">
+    <mc:Choice xmlns:p14="http://schemas.microsoft.com/office/powerpoint/2010/main" Requires="p14">
+      <p:transition p14:dur="250">
+        <p:cover/>
+      </p:transition>
+    </mc:Choice>
+    <mc:Fallback>
+      <p:transition>
+        <p:cover/>
+      </p:transition>
+    </mc:Fallback>
+  </mc:AlternateContent>
   <p:hf sldNum="0" hdr="0" ftr="0" dt="0"/>
   <p:txStyles>
     <p:titleStyle>
@@ -8812,8 +8956,8 @@
         </p:nvSpPr>
         <p:spPr>
           <a:xfrm>
-            <a:off x="581191" y="1020431"/>
-            <a:ext cx="10993549" cy="1475013"/>
+            <a:off x="581190" y="667317"/>
+            <a:ext cx="10993549" cy="677046"/>
           </a:xfrm>
         </p:spPr>
         <p:txBody>
@@ -8833,41 +8977,6 @@
                 </a:solidFill>
               </a:rPr>
               <a:t>Python</a:t>
-            </a:r>
-          </a:p>
-        </p:txBody>
-      </p:sp>
-      <p:sp>
-        <p:nvSpPr>
-          <p:cNvPr id="3" name="Subtitle 2">
-            <a:extLst>
-              <a:ext uri="{FF2B5EF4-FFF2-40B4-BE49-F238E27FC236}">
-                <a16:creationId xmlns:a16="http://schemas.microsoft.com/office/drawing/2014/main" id="{835D6E6B-3353-491C-A3C6-F278D6CED8B3}"/>
-              </a:ext>
-            </a:extLst>
-          </p:cNvPr>
-          <p:cNvSpPr>
-            <a:spLocks noGrp="1"/>
-          </p:cNvSpPr>
-          <p:nvPr>
-            <p:ph type="subTitle" idx="1"/>
-          </p:nvPr>
-        </p:nvSpPr>
-        <p:spPr>
-          <a:xfrm>
-            <a:off x="581194" y="2495445"/>
-            <a:ext cx="10993546" cy="468233"/>
-          </a:xfrm>
-        </p:spPr>
-        <p:txBody>
-          <a:bodyPr>
-            <a:normAutofit/>
-          </a:bodyPr>
-          <a:lstStyle/>
-          <a:p>
-            <a:r>
-              <a:rPr lang="en-US" dirty="0"/>
-              <a:t>Kamal Kumar</a:t>
             </a:r>
           </a:p>
         </p:txBody>
@@ -9036,7 +9145,7 @@
       </p:sp>
       <p:pic>
         <p:nvPicPr>
-          <p:cNvPr id="6" name="Picture 5" descr="abstract image">
+          <p:cNvPr id="6" name="Picture 5">
             <a:extLst>
               <a:ext uri="{FF2B5EF4-FFF2-40B4-BE49-F238E27FC236}">
                 <a16:creationId xmlns:a16="http://schemas.microsoft.com/office/drawing/2014/main" id="{F1A8C364-94D4-4630-BAD0-78722F347055}"/>
@@ -9048,11 +9157,17 @@
           </p:cNvPicPr>
           <p:nvPr/>
         </p:nvPicPr>
-        <p:blipFill rotWithShape="1">
+        <p:blipFill>
           <a:blip r:embed="rId2">
             <a:extLst>
-              <a:ext uri="{28A0092B-C50C-407E-A947-70E740481C1C}">
-                <a14:useLocalDpi xmlns:a14="http://schemas.microsoft.com/office/drawing/2010/main" val="0"/>
+              <a:ext uri="{BEBA8EAE-BF5A-486C-A8C5-ECC9F3942E4B}">
+                <a14:imgProps xmlns:a14="http://schemas.microsoft.com/office/drawing/2010/main">
+                  <a14:imgLayer r:embed="rId3">
+                    <a14:imgEffect>
+                      <a14:saturation sat="300000"/>
+                    </a14:imgEffect>
+                  </a14:imgLayer>
+                </a14:imgProps>
               </a:ext>
             </a:extLst>
           </a:blip>
@@ -9061,12 +9176,18 @@
         </p:blipFill>
         <p:spPr>
           <a:xfrm>
-            <a:off x="448733" y="3081867"/>
-            <a:ext cx="11260667" cy="3310466"/>
+            <a:off x="581190" y="1672198"/>
+            <a:ext cx="10993545" cy="4728602"/>
           </a:xfrm>
           <a:prstGeom prst="rect">
             <a:avLst/>
           </a:prstGeom>
+          <a:noFill/>
+          <a:ln>
+            <a:solidFill>
+              <a:srgbClr val="1CADE4"/>
+            </a:solidFill>
+          </a:ln>
         </p:spPr>
       </p:pic>
     </p:spTree>
@@ -9079,6 +9200,18 @@
   <p:clrMapOvr>
     <a:masterClrMapping/>
   </p:clrMapOvr>
+  <mc:AlternateContent xmlns:mc="http://schemas.openxmlformats.org/markup-compatibility/2006">
+    <mc:Choice xmlns:p14="http://schemas.microsoft.com/office/powerpoint/2010/main" Requires="p14">
+      <p:transition p14:dur="250">
+        <p:cover/>
+      </p:transition>
+    </mc:Choice>
+    <mc:Fallback>
+      <p:transition>
+        <p:cover/>
+      </p:transition>
+    </mc:Fallback>
+  </mc:AlternateContent>
 </p:sld>
 </file>
 
@@ -9284,6 +9417,18 @@
   <p:clrMapOvr>
     <a:masterClrMapping/>
   </p:clrMapOvr>
+  <mc:AlternateContent xmlns:mc="http://schemas.openxmlformats.org/markup-compatibility/2006">
+    <mc:Choice xmlns:p14="http://schemas.microsoft.com/office/powerpoint/2010/main" Requires="p14">
+      <p:transition p14:dur="250">
+        <p:cover/>
+      </p:transition>
+    </mc:Choice>
+    <mc:Fallback>
+      <p:transition>
+        <p:cover/>
+      </p:transition>
+    </mc:Fallback>
+  </mc:AlternateContent>
 </p:sld>
 </file>
 
@@ -9801,6 +9946,18 @@
   <p:clrMapOvr>
     <a:masterClrMapping/>
   </p:clrMapOvr>
+  <mc:AlternateContent xmlns:mc="http://schemas.openxmlformats.org/markup-compatibility/2006">
+    <mc:Choice xmlns:p14="http://schemas.microsoft.com/office/powerpoint/2010/main" Requires="p14">
+      <p:transition p14:dur="250">
+        <p:cover/>
+      </p:transition>
+    </mc:Choice>
+    <mc:Fallback>
+      <p:transition>
+        <p:cover/>
+      </p:transition>
+    </mc:Fallback>
+  </mc:AlternateContent>
 </p:sld>
 </file>
 
@@ -10376,6 +10533,18 @@
   <p:clrMapOvr>
     <a:masterClrMapping/>
   </p:clrMapOvr>
+  <mc:AlternateContent xmlns:mc="http://schemas.openxmlformats.org/markup-compatibility/2006">
+    <mc:Choice xmlns:p14="http://schemas.microsoft.com/office/powerpoint/2010/main" Requires="p14">
+      <p:transition p14:dur="250">
+        <p:cover/>
+      </p:transition>
+    </mc:Choice>
+    <mc:Fallback>
+      <p:transition>
+        <p:cover/>
+      </p:transition>
+    </mc:Fallback>
+  </mc:AlternateContent>
 </p:sld>
 </file>
 
@@ -10964,6 +11133,18 @@
   <p:clrMapOvr>
     <a:masterClrMapping/>
   </p:clrMapOvr>
+  <mc:AlternateContent xmlns:mc="http://schemas.openxmlformats.org/markup-compatibility/2006">
+    <mc:Choice xmlns:p14="http://schemas.microsoft.com/office/powerpoint/2010/main" Requires="p14">
+      <p:transition p14:dur="250">
+        <p:cover/>
+      </p:transition>
+    </mc:Choice>
+    <mc:Fallback>
+      <p:transition>
+        <p:cover/>
+      </p:transition>
+    </mc:Fallback>
+  </mc:AlternateContent>
 </p:sld>
 </file>
 
@@ -11058,6 +11239,18 @@
   <p:clrMapOvr>
     <a:masterClrMapping/>
   </p:clrMapOvr>
+  <mc:AlternateContent xmlns:mc="http://schemas.openxmlformats.org/markup-compatibility/2006">
+    <mc:Choice xmlns:p14="http://schemas.microsoft.com/office/powerpoint/2010/main" Requires="p14">
+      <p:transition p14:dur="250">
+        <p:cover/>
+      </p:transition>
+    </mc:Choice>
+    <mc:Fallback>
+      <p:transition>
+        <p:cover/>
+      </p:transition>
+    </mc:Fallback>
+  </mc:AlternateContent>
 </p:sld>
 </file>
 
@@ -11152,6 +11345,18 @@
   <p:clrMapOvr>
     <a:masterClrMapping/>
   </p:clrMapOvr>
+  <mc:AlternateContent xmlns:mc="http://schemas.openxmlformats.org/markup-compatibility/2006">
+    <mc:Choice xmlns:p14="http://schemas.microsoft.com/office/powerpoint/2010/main" Requires="p14">
+      <p:transition p14:dur="250">
+        <p:cover/>
+      </p:transition>
+    </mc:Choice>
+    <mc:Fallback>
+      <p:transition>
+        <p:cover/>
+      </p:transition>
+    </mc:Fallback>
+  </mc:AlternateContent>
 </p:sld>
 </file>
 
@@ -11246,6 +11451,18 @@
   <p:clrMapOvr>
     <a:masterClrMapping/>
   </p:clrMapOvr>
+  <mc:AlternateContent xmlns:mc="http://schemas.openxmlformats.org/markup-compatibility/2006">
+    <mc:Choice xmlns:p14="http://schemas.microsoft.com/office/powerpoint/2010/main" Requires="p14">
+      <p:transition p14:dur="250">
+        <p:cover/>
+      </p:transition>
+    </mc:Choice>
+    <mc:Fallback>
+      <p:transition>
+        <p:cover/>
+      </p:transition>
+    </mc:Fallback>
+  </mc:AlternateContent>
 </p:sld>
 </file>
 
@@ -11451,6 +11668,18 @@
   <p:clrMapOvr>
     <a:masterClrMapping/>
   </p:clrMapOvr>
+  <mc:AlternateContent xmlns:mc="http://schemas.openxmlformats.org/markup-compatibility/2006">
+    <mc:Choice xmlns:p14="http://schemas.microsoft.com/office/powerpoint/2010/main" Requires="p14">
+      <p:transition p14:dur="250">
+        <p:cover/>
+      </p:transition>
+    </mc:Choice>
+    <mc:Fallback>
+      <p:transition>
+        <p:cover/>
+      </p:transition>
+    </mc:Fallback>
+  </mc:AlternateContent>
 </p:sld>
 </file>
 
@@ -11657,6 +11886,18 @@
   <p:clrMapOvr>
     <a:masterClrMapping/>
   </p:clrMapOvr>
+  <mc:AlternateContent xmlns:mc="http://schemas.openxmlformats.org/markup-compatibility/2006">
+    <mc:Choice xmlns:p14="http://schemas.microsoft.com/office/powerpoint/2010/main" Requires="p14">
+      <p:transition p14:dur="250">
+        <p:cover/>
+      </p:transition>
+    </mc:Choice>
+    <mc:Fallback>
+      <p:transition>
+        <p:cover/>
+      </p:transition>
+    </mc:Fallback>
+  </mc:AlternateContent>
 </p:sld>
 </file>
 
@@ -11807,6 +12048,18 @@
   <p:clrMapOvr>
     <a:masterClrMapping/>
   </p:clrMapOvr>
+  <mc:AlternateContent xmlns:mc="http://schemas.openxmlformats.org/markup-compatibility/2006">
+    <mc:Choice xmlns:p14="http://schemas.microsoft.com/office/powerpoint/2010/main" Requires="p14">
+      <p:transition p14:dur="250">
+        <p:cover/>
+      </p:transition>
+    </mc:Choice>
+    <mc:Fallback>
+      <p:transition>
+        <p:cover/>
+      </p:transition>
+    </mc:Fallback>
+  </mc:AlternateContent>
 </p:sld>
 </file>
 
@@ -11908,6 +12161,18 @@
   <p:clrMapOvr>
     <a:masterClrMapping/>
   </p:clrMapOvr>
+  <mc:AlternateContent xmlns:mc="http://schemas.openxmlformats.org/markup-compatibility/2006">
+    <mc:Choice xmlns:p14="http://schemas.microsoft.com/office/powerpoint/2010/main" Requires="p14">
+      <p:transition p14:dur="250">
+        <p:cover/>
+      </p:transition>
+    </mc:Choice>
+    <mc:Fallback>
+      <p:transition>
+        <p:cover/>
+      </p:transition>
+    </mc:Fallback>
+  </mc:AlternateContent>
 </p:sld>
 </file>
 
@@ -11987,7 +12252,7 @@
         <p:spPr/>
         <p:txBody>
           <a:bodyPr>
-            <a:normAutofit lnSpcReduction="10000"/>
+            <a:normAutofit fontScale="92500" lnSpcReduction="10000"/>
           </a:bodyPr>
           <a:lstStyle/>
           <a:p>
@@ -11998,7 +12263,7 @@
                     <a:lumMod val="25000"/>
                   </a:schemeClr>
                 </a:solidFill>
-                <a:latin typeface="Segoe UI" panose="020B0502040204020203" pitchFamily="34" charset="0"/>
+                <a:latin typeface="Corbel" panose="020B0503020204020204" pitchFamily="34" charset="0"/>
                 <a:cs typeface="Segoe UI" panose="020B0502040204020203" pitchFamily="34" charset="0"/>
               </a:rPr>
               <a:t>Web Development</a:t>
@@ -12012,7 +12277,7 @@
                     <a:lumMod val="25000"/>
                   </a:schemeClr>
                 </a:solidFill>
-                <a:latin typeface="Segoe UI" panose="020B0502040204020203" pitchFamily="34" charset="0"/>
+                <a:latin typeface="Corbel" panose="020B0503020204020204" pitchFamily="34" charset="0"/>
                 <a:cs typeface="Segoe UI" panose="020B0502040204020203" pitchFamily="34" charset="0"/>
               </a:rPr>
               <a:t>Game Development</a:t>
@@ -12026,7 +12291,7 @@
                     <a:lumMod val="25000"/>
                   </a:schemeClr>
                 </a:solidFill>
-                <a:latin typeface="Segoe UI" panose="020B0502040204020203" pitchFamily="34" charset="0"/>
+                <a:latin typeface="Corbel" panose="020B0503020204020204" pitchFamily="34" charset="0"/>
                 <a:cs typeface="Segoe UI" panose="020B0502040204020203" pitchFamily="34" charset="0"/>
               </a:rPr>
               <a:t>Machine Learning and Artificial Intelligence</a:t>
@@ -12040,7 +12305,7 @@
                     <a:lumMod val="25000"/>
                   </a:schemeClr>
                 </a:solidFill>
-                <a:latin typeface="Segoe UI" panose="020B0502040204020203" pitchFamily="34" charset="0"/>
+                <a:latin typeface="Corbel" panose="020B0503020204020204" pitchFamily="34" charset="0"/>
                 <a:cs typeface="Segoe UI" panose="020B0502040204020203" pitchFamily="34" charset="0"/>
               </a:rPr>
               <a:t>Data Science and Data Visualization</a:t>
@@ -12054,7 +12319,7 @@
                     <a:lumMod val="25000"/>
                   </a:schemeClr>
                 </a:solidFill>
-                <a:latin typeface="Segoe UI" panose="020B0502040204020203" pitchFamily="34" charset="0"/>
+                <a:latin typeface="Corbel" panose="020B0503020204020204" pitchFamily="34" charset="0"/>
                 <a:cs typeface="Segoe UI" panose="020B0502040204020203" pitchFamily="34" charset="0"/>
               </a:rPr>
               <a:t>Desktop GUI</a:t>
@@ -12068,7 +12333,7 @@
                     <a:lumMod val="25000"/>
                   </a:schemeClr>
                 </a:solidFill>
-                <a:latin typeface="Segoe UI" panose="020B0502040204020203" pitchFamily="34" charset="0"/>
+                <a:latin typeface="Corbel" panose="020B0503020204020204" pitchFamily="34" charset="0"/>
                 <a:cs typeface="Segoe UI" panose="020B0502040204020203" pitchFamily="34" charset="0"/>
               </a:rPr>
               <a:t>Business Applications</a:t>
@@ -12082,7 +12347,7 @@
                     <a:lumMod val="25000"/>
                   </a:schemeClr>
                 </a:solidFill>
-                <a:latin typeface="Segoe UI" panose="020B0502040204020203" pitchFamily="34" charset="0"/>
+                <a:latin typeface="Corbel" panose="020B0503020204020204" pitchFamily="34" charset="0"/>
                 <a:cs typeface="Segoe UI" panose="020B0502040204020203" pitchFamily="34" charset="0"/>
               </a:rPr>
               <a:t>Audio and Video Applications</a:t>
@@ -12096,7 +12361,7 @@
                     <a:lumMod val="25000"/>
                   </a:schemeClr>
                 </a:solidFill>
-                <a:latin typeface="Segoe UI" panose="020B0502040204020203" pitchFamily="34" charset="0"/>
+                <a:latin typeface="Corbel" panose="020B0503020204020204" pitchFamily="34" charset="0"/>
                 <a:cs typeface="Segoe UI" panose="020B0502040204020203" pitchFamily="34" charset="0"/>
               </a:rPr>
               <a:t>Embedded Applications</a:t>
@@ -12110,7 +12375,7 @@
                     <a:lumMod val="25000"/>
                   </a:schemeClr>
                 </a:solidFill>
-                <a:latin typeface="Segoe UI" panose="020B0502040204020203" pitchFamily="34" charset="0"/>
+                <a:latin typeface="Corbel" panose="020B0503020204020204" pitchFamily="34" charset="0"/>
                 <a:cs typeface="Segoe UI" panose="020B0502040204020203" pitchFamily="34" charset="0"/>
               </a:rPr>
               <a:t>etc.</a:t>
@@ -12128,6 +12393,18 @@
   <p:clrMapOvr>
     <a:masterClrMapping/>
   </p:clrMapOvr>
+  <mc:AlternateContent xmlns:mc="http://schemas.openxmlformats.org/markup-compatibility/2006">
+    <mc:Choice xmlns:p14="http://schemas.microsoft.com/office/powerpoint/2010/main" Requires="p14">
+      <p:transition p14:dur="250">
+        <p:cover/>
+      </p:transition>
+    </mc:Choice>
+    <mc:Fallback>
+      <p:transition>
+        <p:cover/>
+      </p:transition>
+    </mc:Fallback>
+  </mc:AlternateContent>
 </p:sld>
 </file>
 
@@ -12323,6 +12600,18 @@
   <p:clrMapOvr>
     <a:masterClrMapping/>
   </p:clrMapOvr>
+  <mc:AlternateContent xmlns:mc="http://schemas.openxmlformats.org/markup-compatibility/2006">
+    <mc:Choice xmlns:p14="http://schemas.microsoft.com/office/powerpoint/2010/main" Requires="p14">
+      <p:transition p14:dur="250">
+        <p:cover/>
+      </p:transition>
+    </mc:Choice>
+    <mc:Fallback>
+      <p:transition>
+        <p:cover/>
+      </p:transition>
+    </mc:Fallback>
+  </mc:AlternateContent>
 </p:sld>
 </file>
 
@@ -12437,6 +12726,18 @@
   <p:clrMapOvr>
     <a:masterClrMapping/>
   </p:clrMapOvr>
+  <mc:AlternateContent xmlns:mc="http://schemas.openxmlformats.org/markup-compatibility/2006">
+    <mc:Choice xmlns:p14="http://schemas.microsoft.com/office/powerpoint/2010/main" Requires="p14">
+      <p:transition p14:dur="250">
+        <p:cover/>
+      </p:transition>
+    </mc:Choice>
+    <mc:Fallback>
+      <p:transition>
+        <p:cover/>
+      </p:transition>
+    </mc:Fallback>
+  </mc:AlternateContent>
 </p:sld>
 </file>
 
@@ -12480,7 +12781,19 @@
           <a:p>
             <a:r>
               <a:rPr lang="en-US" dirty="0"/>
-              <a:t>Python Variables / Datatypes</a:t>
+              <a:t>Python </a:t>
+            </a:r>
+            <a:r>
+              <a:rPr lang="en-US" dirty="0">
+                <a:solidFill>
+                  <a:srgbClr val="1CADE4"/>
+                </a:solidFill>
+              </a:rPr>
+              <a:t>Variables</a:t>
+            </a:r>
+            <a:r>
+              <a:rPr lang="en-US" dirty="0"/>
+              <a:t> / Datatypes</a:t>
             </a:r>
           </a:p>
         </p:txBody>
@@ -12513,7 +12826,7 @@
                     <a:lumMod val="25000"/>
                   </a:schemeClr>
                 </a:solidFill>
-                <a:latin typeface="Segoe UI" panose="020B0502040204020203" pitchFamily="34" charset="0"/>
+                <a:latin typeface="Corbel" panose="020B0503020204020204" pitchFamily="34" charset="0"/>
                 <a:cs typeface="Segoe UI" panose="020B0502040204020203" pitchFamily="34" charset="0"/>
               </a:rPr>
               <a:t>Numeric data types: </a:t>
@@ -12523,7 +12836,7 @@
                 <a:solidFill>
                   <a:srgbClr val="1CADE4"/>
                 </a:solidFill>
-                <a:latin typeface="Segoe UI" panose="020B0502040204020203" pitchFamily="34" charset="0"/>
+                <a:latin typeface="Corbel" panose="020B0503020204020204" pitchFamily="34" charset="0"/>
                 <a:cs typeface="Segoe UI" panose="020B0502040204020203" pitchFamily="34" charset="0"/>
               </a:rPr>
               <a:t>int</a:t>
@@ -12535,7 +12848,7 @@
                     <a:lumMod val="25000"/>
                   </a:schemeClr>
                 </a:solidFill>
-                <a:latin typeface="Segoe UI" panose="020B0502040204020203" pitchFamily="34" charset="0"/>
+                <a:latin typeface="Corbel" panose="020B0503020204020204" pitchFamily="34" charset="0"/>
                 <a:cs typeface="Segoe UI" panose="020B0502040204020203" pitchFamily="34" charset="0"/>
               </a:rPr>
               <a:t>, float, complex</a:t>
@@ -12549,7 +12862,7 @@
                     <a:lumMod val="25000"/>
                   </a:schemeClr>
                 </a:solidFill>
-                <a:latin typeface="Segoe UI" panose="020B0502040204020203" pitchFamily="34" charset="0"/>
+                <a:latin typeface="Corbel" panose="020B0503020204020204" pitchFamily="34" charset="0"/>
                 <a:cs typeface="Segoe UI" panose="020B0502040204020203" pitchFamily="34" charset="0"/>
               </a:rPr>
               <a:t>String data types: </a:t>
@@ -12559,7 +12872,7 @@
                 <a:solidFill>
                   <a:srgbClr val="1CADE4"/>
                 </a:solidFill>
-                <a:latin typeface="Segoe UI" panose="020B0502040204020203" pitchFamily="34" charset="0"/>
+                <a:latin typeface="Corbel" panose="020B0503020204020204" pitchFamily="34" charset="0"/>
                 <a:cs typeface="Segoe UI" panose="020B0502040204020203" pitchFamily="34" charset="0"/>
               </a:rPr>
               <a:t>str</a:t>
@@ -12573,7 +12886,7 @@
                     <a:lumMod val="25000"/>
                   </a:schemeClr>
                 </a:solidFill>
-                <a:latin typeface="Segoe UI" panose="020B0502040204020203" pitchFamily="34" charset="0"/>
+                <a:latin typeface="Corbel" panose="020B0503020204020204" pitchFamily="34" charset="0"/>
                 <a:cs typeface="Segoe UI" panose="020B0502040204020203" pitchFamily="34" charset="0"/>
               </a:rPr>
               <a:t>Sequence types: </a:t>
@@ -12583,7 +12896,7 @@
                 <a:solidFill>
                   <a:srgbClr val="1CADE4"/>
                 </a:solidFill>
-                <a:latin typeface="Segoe UI" panose="020B0502040204020203" pitchFamily="34" charset="0"/>
+                <a:latin typeface="Corbel" panose="020B0503020204020204" pitchFamily="34" charset="0"/>
                 <a:cs typeface="Segoe UI" panose="020B0502040204020203" pitchFamily="34" charset="0"/>
               </a:rPr>
               <a:t>list</a:t>
@@ -12595,7 +12908,7 @@
                     <a:lumMod val="25000"/>
                   </a:schemeClr>
                 </a:solidFill>
-                <a:latin typeface="Segoe UI" panose="020B0502040204020203" pitchFamily="34" charset="0"/>
+                <a:latin typeface="Corbel" panose="020B0503020204020204" pitchFamily="34" charset="0"/>
                 <a:cs typeface="Segoe UI" panose="020B0502040204020203" pitchFamily="34" charset="0"/>
               </a:rPr>
               <a:t>, </a:t>
@@ -12605,7 +12918,7 @@
                 <a:solidFill>
                   <a:srgbClr val="1CADE4"/>
                 </a:solidFill>
-                <a:latin typeface="Segoe UI" panose="020B0502040204020203" pitchFamily="34" charset="0"/>
+                <a:latin typeface="Corbel" panose="020B0503020204020204" pitchFamily="34" charset="0"/>
                 <a:cs typeface="Segoe UI" panose="020B0502040204020203" pitchFamily="34" charset="0"/>
               </a:rPr>
               <a:t>tuple</a:t>
@@ -12617,7 +12930,7 @@
                     <a:lumMod val="25000"/>
                   </a:schemeClr>
                 </a:solidFill>
-                <a:latin typeface="Segoe UI" panose="020B0502040204020203" pitchFamily="34" charset="0"/>
+                <a:latin typeface="Corbel" panose="020B0503020204020204" pitchFamily="34" charset="0"/>
                 <a:cs typeface="Segoe UI" panose="020B0502040204020203" pitchFamily="34" charset="0"/>
               </a:rPr>
               <a:t>, </a:t>
@@ -12627,7 +12940,7 @@
                 <a:solidFill>
                   <a:srgbClr val="1CADE4"/>
                 </a:solidFill>
-                <a:latin typeface="Segoe UI" panose="020B0502040204020203" pitchFamily="34" charset="0"/>
+                <a:latin typeface="Corbel" panose="020B0503020204020204" pitchFamily="34" charset="0"/>
                 <a:cs typeface="Segoe UI" panose="020B0502040204020203" pitchFamily="34" charset="0"/>
               </a:rPr>
               <a:t>range</a:t>
@@ -12641,7 +12954,7 @@
                     <a:lumMod val="25000"/>
                   </a:schemeClr>
                 </a:solidFill>
-                <a:latin typeface="Segoe UI" panose="020B0502040204020203" pitchFamily="34" charset="0"/>
+                <a:latin typeface="Corbel" panose="020B0503020204020204" pitchFamily="34" charset="0"/>
                 <a:cs typeface="Segoe UI" panose="020B0502040204020203" pitchFamily="34" charset="0"/>
               </a:rPr>
               <a:t>Binary types: bytes, bytearray, memoryview</a:t>
@@ -12655,7 +12968,7 @@
                     <a:lumMod val="25000"/>
                   </a:schemeClr>
                 </a:solidFill>
-                <a:latin typeface="Segoe UI" panose="020B0502040204020203" pitchFamily="34" charset="0"/>
+                <a:latin typeface="Corbel" panose="020B0503020204020204" pitchFamily="34" charset="0"/>
                 <a:cs typeface="Segoe UI" panose="020B0502040204020203" pitchFamily="34" charset="0"/>
               </a:rPr>
               <a:t>Mapping data type: </a:t>
@@ -12665,7 +12978,7 @@
                 <a:solidFill>
                   <a:srgbClr val="1CADE4"/>
                 </a:solidFill>
-                <a:latin typeface="Segoe UI" panose="020B0502040204020203" pitchFamily="34" charset="0"/>
+                <a:latin typeface="Corbel" panose="020B0503020204020204" pitchFamily="34" charset="0"/>
                 <a:cs typeface="Segoe UI" panose="020B0502040204020203" pitchFamily="34" charset="0"/>
               </a:rPr>
               <a:t>dict</a:t>
@@ -12679,7 +12992,7 @@
                     <a:lumMod val="25000"/>
                   </a:schemeClr>
                 </a:solidFill>
-                <a:latin typeface="Segoe UI" panose="020B0502040204020203" pitchFamily="34" charset="0"/>
+                <a:latin typeface="Corbel" panose="020B0503020204020204" pitchFamily="34" charset="0"/>
                 <a:cs typeface="Segoe UI" panose="020B0502040204020203" pitchFamily="34" charset="0"/>
               </a:rPr>
               <a:t>Boolean type: </a:t>
@@ -12689,7 +13002,7 @@
                 <a:solidFill>
                   <a:srgbClr val="1CADE4"/>
                 </a:solidFill>
-                <a:latin typeface="Segoe UI" panose="020B0502040204020203" pitchFamily="34" charset="0"/>
+                <a:latin typeface="Corbel" panose="020B0503020204020204" pitchFamily="34" charset="0"/>
                 <a:cs typeface="Segoe UI" panose="020B0502040204020203" pitchFamily="34" charset="0"/>
               </a:rPr>
               <a:t>bool</a:t>
@@ -12703,7 +13016,7 @@
                     <a:lumMod val="25000"/>
                   </a:schemeClr>
                 </a:solidFill>
-                <a:latin typeface="Segoe UI" panose="020B0502040204020203" pitchFamily="34" charset="0"/>
+                <a:latin typeface="Corbel" panose="020B0503020204020204" pitchFamily="34" charset="0"/>
                 <a:cs typeface="Segoe UI" panose="020B0502040204020203" pitchFamily="34" charset="0"/>
               </a:rPr>
               <a:t>Set data types: </a:t>
@@ -12713,7 +13026,7 @@
                 <a:solidFill>
                   <a:srgbClr val="1CADE4"/>
                 </a:solidFill>
-                <a:latin typeface="Segoe UI" panose="020B0502040204020203" pitchFamily="34" charset="0"/>
+                <a:latin typeface="Corbel" panose="020B0503020204020204" pitchFamily="34" charset="0"/>
                 <a:cs typeface="Segoe UI" panose="020B0502040204020203" pitchFamily="34" charset="0"/>
               </a:rPr>
               <a:t>set</a:t>
@@ -12725,7 +13038,7 @@
                     <a:lumMod val="25000"/>
                   </a:schemeClr>
                 </a:solidFill>
-                <a:latin typeface="Segoe UI" panose="020B0502040204020203" pitchFamily="34" charset="0"/>
+                <a:latin typeface="Corbel" panose="020B0503020204020204" pitchFamily="34" charset="0"/>
                 <a:cs typeface="Segoe UI" panose="020B0502040204020203" pitchFamily="34" charset="0"/>
               </a:rPr>
               <a:t>, frozenset</a:t>
@@ -12743,6 +13056,18 @@
   <p:clrMapOvr>
     <a:masterClrMapping/>
   </p:clrMapOvr>
+  <mc:AlternateContent xmlns:mc="http://schemas.openxmlformats.org/markup-compatibility/2006">
+    <mc:Choice xmlns:p14="http://schemas.microsoft.com/office/powerpoint/2010/main" Requires="p14">
+      <p:transition p14:dur="250">
+        <p:cover/>
+      </p:transition>
+    </mc:Choice>
+    <mc:Fallback>
+      <p:transition>
+        <p:cover/>
+      </p:transition>
+    </mc:Fallback>
+  </mc:AlternateContent>
 </p:sld>
 </file>
 
@@ -12837,6 +13162,18 @@
   <p:clrMapOvr>
     <a:masterClrMapping/>
   </p:clrMapOvr>
+  <mc:AlternateContent xmlns:mc="http://schemas.openxmlformats.org/markup-compatibility/2006">
+    <mc:Choice xmlns:p14="http://schemas.microsoft.com/office/powerpoint/2010/main" Requires="p14">
+      <p:transition p14:dur="250">
+        <p:cover/>
+      </p:transition>
+    </mc:Choice>
+    <mc:Fallback>
+      <p:transition>
+        <p:cover/>
+      </p:transition>
+    </mc:Fallback>
+  </mc:AlternateContent>
 </p:sld>
 </file>
 
@@ -13135,6 +13472,18 @@
   <p:clrMapOvr>
     <a:masterClrMapping/>
   </p:clrMapOvr>
+  <mc:AlternateContent xmlns:mc="http://schemas.openxmlformats.org/markup-compatibility/2006">
+    <mc:Choice xmlns:p14="http://schemas.microsoft.com/office/powerpoint/2010/main" Requires="p14">
+      <p:transition p14:dur="250">
+        <p:cover/>
+      </p:transition>
+    </mc:Choice>
+    <mc:Fallback>
+      <p:transition>
+        <p:cover/>
+      </p:transition>
+    </mc:Fallback>
+  </mc:AlternateContent>
 </p:sld>
 </file>
 
@@ -13406,6 +13755,18 @@
   <p:clrMapOvr>
     <a:masterClrMapping/>
   </p:clrMapOvr>
+  <mc:AlternateContent xmlns:mc="http://schemas.openxmlformats.org/markup-compatibility/2006">
+    <mc:Choice xmlns:p14="http://schemas.microsoft.com/office/powerpoint/2010/main" Requires="p14">
+      <p:transition p14:dur="250">
+        <p:cover/>
+      </p:transition>
+    </mc:Choice>
+    <mc:Fallback>
+      <p:transition>
+        <p:cover/>
+      </p:transition>
+    </mc:Fallback>
+  </mc:AlternateContent>
 </p:sld>
 </file>
 
@@ -13679,21 +14040,21 @@
 </file>
 
 <file path=customXml/item1.xml><?xml version="1.0" encoding="utf-8"?>
+<?mso-contentType ?>
+<FormTemplates xmlns="http://schemas.microsoft.com/sharepoint/v3/contenttype/forms">
+  <Display>DocumentLibraryForm</Display>
+  <Edit>DocumentLibraryForm</Edit>
+  <New>DocumentLibraryForm</New>
+</FormTemplates>
+</file>
+
+<file path=customXml/item2.xml><?xml version="1.0" encoding="utf-8"?>
 <p:properties xmlns:p="http://schemas.microsoft.com/office/2006/metadata/properties" xmlns:xsi="http://www.w3.org/2001/XMLSchema-instance" xmlns:pc="http://schemas.microsoft.com/office/infopath/2007/PartnerControls">
   <documentManagement>
     <Status xmlns="71af3243-3dd4-4a8d-8c0d-dd76da1f02a5">Not started</Status>
     <MediaServiceKeyPoints xmlns="71af3243-3dd4-4a8d-8c0d-dd76da1f02a5" xsi:nil="true"/>
   </documentManagement>
 </p:properties>
-</file>
-
-<file path=customXml/item2.xml><?xml version="1.0" encoding="utf-8"?>
-<?mso-contentType ?>
-<FormTemplates xmlns="http://schemas.microsoft.com/sharepoint/v3/contenttype/forms">
-  <Display>DocumentLibraryForm</Display>
-  <Edit>DocumentLibraryForm</Edit>
-  <New>DocumentLibraryForm</New>
-</FormTemplates>
 </file>
 
 <file path=customXml/item3.xml><?xml version="1.0" encoding="utf-8"?>
@@ -13918,19 +14279,19 @@
 </file>
 
 <file path=customXml/itemProps1.xml><?xml version="1.0" encoding="utf-8"?>
+<ds:datastoreItem xmlns:ds="http://schemas.openxmlformats.org/officeDocument/2006/customXml" ds:itemID="{927BD4C1-B6B1-4715-ABF9-E660A51A4EA0}">
+  <ds:schemaRefs>
+    <ds:schemaRef ds:uri="http://schemas.microsoft.com/sharepoint/v3/contenttype/forms"/>
+  </ds:schemaRefs>
+</ds:datastoreItem>
+</file>
+
+<file path=customXml/itemProps2.xml><?xml version="1.0" encoding="utf-8"?>
 <ds:datastoreItem xmlns:ds="http://schemas.openxmlformats.org/officeDocument/2006/customXml" ds:itemID="{8D289AE2-D2AE-49D1-AFAC-3A79F6794255}">
   <ds:schemaRefs>
     <ds:schemaRef ds:uri="http://schemas.microsoft.com/office/2006/metadata/properties"/>
     <ds:schemaRef ds:uri="http://schemas.microsoft.com/office/infopath/2007/PartnerControls"/>
     <ds:schemaRef ds:uri="71af3243-3dd4-4a8d-8c0d-dd76da1f02a5"/>
-  </ds:schemaRefs>
-</ds:datastoreItem>
-</file>
-
-<file path=customXml/itemProps2.xml><?xml version="1.0" encoding="utf-8"?>
-<ds:datastoreItem xmlns:ds="http://schemas.openxmlformats.org/officeDocument/2006/customXml" ds:itemID="{927BD4C1-B6B1-4715-ABF9-E660A51A4EA0}">
-  <ds:schemaRefs>
-    <ds:schemaRef ds:uri="http://schemas.microsoft.com/sharepoint/v3/contenttype/forms"/>
   </ds:schemaRefs>
 </ds:datastoreItem>
 </file>
